--- a/Bandits, Learning, and Search - 22 - Multi-armed Bandits.pptx.pptx
+++ b/Bandits, Learning, and Search - 22 - Multi-armed Bandits.pptx.pptx
@@ -3787,8 +3787,8 @@
         </p:nvSpPr>
         <p:spPr>
           <a:xfrm>
-            <a:off x="1599737" y="783467"/>
-            <a:ext cx="7560309" cy="1122680"/>
+            <a:off x="1599923" y="363807"/>
+            <a:ext cx="14554663" cy="3583032"/>
           </a:xfrm>
           <a:prstGeom prst="rect">
             <a:avLst/>
@@ -3820,6 +3820,315 @@
               <a:rPr spc="165" dirty="0"/>
               <a:t>deﬁnition</a:t>
             </a:r>
+            <a:br>
+              <a:rPr lang="en-GB" sz="1500" i="1" spc="165" dirty="0">
+                <a:latin typeface="+mn-lt"/>
+              </a:rPr>
+            </a:br>
+            <a:r>
+              <a:rPr lang="en-GB" sz="2000" b="0" i="1" dirty="0">
+                <a:effectLst/>
+                <a:latin typeface="+mn-lt"/>
+              </a:rPr>
+              <a:t>In </a:t>
+            </a:r>
+            <a:r>
+              <a:rPr lang="en-GB" sz="2000" b="0" i="1" u="none" strike="noStrike" dirty="0">
+                <a:effectLst/>
+                <a:latin typeface="+mn-lt"/>
+                <a:hlinkClick r:id="rId3" tooltip="Probability theory">
+                  <a:extLst>
+                    <a:ext uri="{A12FA001-AC4F-418D-AE19-62706E023703}">
+                      <ahyp:hlinkClr xmlns:ahyp="http://schemas.microsoft.com/office/drawing/2018/hyperlinkcolor" val="tx"/>
+                    </a:ext>
+                  </a:extLst>
+                </a:hlinkClick>
+              </a:rPr>
+              <a:t>probability theory</a:t>
+            </a:r>
+            <a:r>
+              <a:rPr lang="en-GB" sz="2000" b="0" i="1" dirty="0">
+                <a:effectLst/>
+                <a:latin typeface="+mn-lt"/>
+              </a:rPr>
+              <a:t> and </a:t>
+            </a:r>
+            <a:r>
+              <a:rPr lang="en-GB" sz="2000" b="0" i="1" u="none" strike="noStrike" dirty="0">
+                <a:effectLst/>
+                <a:latin typeface="+mn-lt"/>
+                <a:hlinkClick r:id="rId4" tooltip="Machine learning">
+                  <a:extLst>
+                    <a:ext uri="{A12FA001-AC4F-418D-AE19-62706E023703}">
+                      <ahyp:hlinkClr xmlns:ahyp="http://schemas.microsoft.com/office/drawing/2018/hyperlinkcolor" val="tx"/>
+                    </a:ext>
+                  </a:extLst>
+                </a:hlinkClick>
+              </a:rPr>
+              <a:t>machine learning</a:t>
+            </a:r>
+            <a:r>
+              <a:rPr lang="en-GB" sz="2000" b="0" i="1" dirty="0">
+                <a:effectLst/>
+                <a:latin typeface="+mn-lt"/>
+              </a:rPr>
+              <a:t>, the </a:t>
+            </a:r>
+            <a:r>
+              <a:rPr lang="en-GB" sz="2000" b="1" i="1" dirty="0">
+                <a:effectLst/>
+                <a:latin typeface="+mn-lt"/>
+              </a:rPr>
+              <a:t>multi-armed bandit problem</a:t>
+            </a:r>
+            <a:r>
+              <a:rPr lang="en-GB" sz="2000" b="0" i="1" dirty="0">
+                <a:effectLst/>
+                <a:latin typeface="+mn-lt"/>
+              </a:rPr>
+              <a:t> (sometimes called the </a:t>
+            </a:r>
+            <a:r>
+              <a:rPr lang="en-GB" sz="2000" b="1" i="1" dirty="0">
+                <a:effectLst/>
+                <a:latin typeface="+mn-lt"/>
+              </a:rPr>
+              <a:t>K-</a:t>
+            </a:r>
+            <a:r>
+              <a:rPr lang="en-GB" sz="2000" b="0" i="1" u="none" strike="noStrike" baseline="30000" dirty="0">
+                <a:effectLst/>
+                <a:latin typeface="+mn-lt"/>
+                <a:hlinkClick r:id="rId5">
+                  <a:extLst>
+                    <a:ext uri="{A12FA001-AC4F-418D-AE19-62706E023703}">
+                      <ahyp:hlinkClr xmlns:ahyp="http://schemas.microsoft.com/office/drawing/2018/hyperlinkcolor" val="tx"/>
+                    </a:ext>
+                  </a:extLst>
+                </a:hlinkClick>
+              </a:rPr>
+              <a:t>[1]</a:t>
+            </a:r>
+            <a:r>
+              <a:rPr lang="en-GB" sz="2000" b="1" i="1" dirty="0">
+                <a:effectLst/>
+                <a:latin typeface="+mn-lt"/>
+              </a:rPr>
+              <a:t> or N-armed bandit problem</a:t>
+            </a:r>
+            <a:r>
+              <a:rPr lang="en-GB" sz="2000" b="0" i="1" u="none" strike="noStrike" baseline="30000" dirty="0">
+                <a:effectLst/>
+                <a:latin typeface="+mn-lt"/>
+                <a:hlinkClick r:id="rId6">
+                  <a:extLst>
+                    <a:ext uri="{A12FA001-AC4F-418D-AE19-62706E023703}">
+                      <ahyp:hlinkClr xmlns:ahyp="http://schemas.microsoft.com/office/drawing/2018/hyperlinkcolor" val="tx"/>
+                    </a:ext>
+                  </a:extLst>
+                </a:hlinkClick>
+              </a:rPr>
+              <a:t>[2]</a:t>
+            </a:r>
+            <a:r>
+              <a:rPr lang="en-GB" sz="2000" b="0" i="1" dirty="0">
+                <a:effectLst/>
+                <a:latin typeface="+mn-lt"/>
+              </a:rPr>
+              <a:t>) is a problem in which a fixed limited set of resources must be allocated between competing (alternative) choices in a way that maximizes their expected gain, when each choice's properties are only partially known at the time of allocation, and may become better understood as time passes or by allocating resources to the choice.</a:t>
+            </a:r>
+            <a:r>
+              <a:rPr lang="en-GB" sz="2000" b="0" i="1" u="none" strike="noStrike" baseline="30000" dirty="0">
+                <a:effectLst/>
+                <a:latin typeface="+mn-lt"/>
+                <a:hlinkClick r:id="rId7">
+                  <a:extLst>
+                    <a:ext uri="{A12FA001-AC4F-418D-AE19-62706E023703}">
+                      <ahyp:hlinkClr xmlns:ahyp="http://schemas.microsoft.com/office/drawing/2018/hyperlinkcolor" val="tx"/>
+                    </a:ext>
+                  </a:extLst>
+                </a:hlinkClick>
+              </a:rPr>
+              <a:t>[3]</a:t>
+            </a:r>
+            <a:r>
+              <a:rPr lang="en-GB" sz="2000" b="0" i="1" u="none" strike="noStrike" baseline="30000" dirty="0">
+                <a:effectLst/>
+                <a:latin typeface="+mn-lt"/>
+                <a:hlinkClick r:id="rId8">
+                  <a:extLst>
+                    <a:ext uri="{A12FA001-AC4F-418D-AE19-62706E023703}">
+                      <ahyp:hlinkClr xmlns:ahyp="http://schemas.microsoft.com/office/drawing/2018/hyperlinkcolor" val="tx"/>
+                    </a:ext>
+                  </a:extLst>
+                </a:hlinkClick>
+              </a:rPr>
+              <a:t>[4]</a:t>
+            </a:r>
+            <a:r>
+              <a:rPr lang="en-GB" sz="2000" b="0" i="1" dirty="0">
+                <a:effectLst/>
+                <a:latin typeface="+mn-lt"/>
+              </a:rPr>
+              <a:t> This is </a:t>
+            </a:r>
+            <a:r>
+              <a:rPr lang="en-GB" sz="2000" b="1" i="1" dirty="0">
+                <a:effectLst/>
+                <a:latin typeface="+mn-lt"/>
+              </a:rPr>
+              <a:t>a classic </a:t>
+            </a:r>
+            <a:r>
+              <a:rPr lang="en-GB" sz="2000" b="1" i="1" u="none" strike="noStrike" dirty="0">
+                <a:effectLst/>
+                <a:latin typeface="+mn-lt"/>
+                <a:hlinkClick r:id="rId9" tooltip="Reinforcement learning">
+                  <a:extLst>
+                    <a:ext uri="{A12FA001-AC4F-418D-AE19-62706E023703}">
+                      <ahyp:hlinkClr xmlns:ahyp="http://schemas.microsoft.com/office/drawing/2018/hyperlinkcolor" val="tx"/>
+                    </a:ext>
+                  </a:extLst>
+                </a:hlinkClick>
+              </a:rPr>
+              <a:t>reinforcement learning</a:t>
+            </a:r>
+            <a:r>
+              <a:rPr lang="en-GB" sz="2000" b="1" i="1" dirty="0">
+                <a:effectLst/>
+                <a:latin typeface="+mn-lt"/>
+              </a:rPr>
+              <a:t> problem that exemplifies the exploration–exploitation </a:t>
+            </a:r>
+            <a:r>
+              <a:rPr lang="en-GB" sz="2000" b="1" i="1" dirty="0" err="1">
+                <a:effectLst/>
+                <a:latin typeface="+mn-lt"/>
+              </a:rPr>
+              <a:t>tradeoff</a:t>
+            </a:r>
+            <a:r>
+              <a:rPr lang="en-GB" sz="2000" b="1" i="1" dirty="0">
+                <a:effectLst/>
+                <a:latin typeface="+mn-lt"/>
+              </a:rPr>
+              <a:t> dilemma</a:t>
+            </a:r>
+            <a:r>
+              <a:rPr lang="en-GB" sz="2000" b="0" i="1" dirty="0">
+                <a:effectLst/>
+                <a:latin typeface="+mn-lt"/>
+              </a:rPr>
+              <a:t>. The name comes from imagining a </a:t>
+            </a:r>
+            <a:r>
+              <a:rPr lang="en-GB" sz="2000" b="0" i="1" u="none" strike="noStrike" dirty="0">
+                <a:effectLst/>
+                <a:latin typeface="+mn-lt"/>
+                <a:hlinkClick r:id="rId10" tooltip="Gambler">
+                  <a:extLst>
+                    <a:ext uri="{A12FA001-AC4F-418D-AE19-62706E023703}">
+                      <ahyp:hlinkClr xmlns:ahyp="http://schemas.microsoft.com/office/drawing/2018/hyperlinkcolor" val="tx"/>
+                    </a:ext>
+                  </a:extLst>
+                </a:hlinkClick>
+              </a:rPr>
+              <a:t>gambler</a:t>
+            </a:r>
+            <a:r>
+              <a:rPr lang="en-GB" sz="2000" b="0" i="1" dirty="0">
+                <a:effectLst/>
+                <a:latin typeface="+mn-lt"/>
+              </a:rPr>
+              <a:t> at a row of </a:t>
+            </a:r>
+            <a:r>
+              <a:rPr lang="en-GB" sz="2000" b="0" i="1" u="none" strike="noStrike" dirty="0">
+                <a:effectLst/>
+                <a:latin typeface="+mn-lt"/>
+                <a:hlinkClick r:id="rId11" tooltip="Slot machines">
+                  <a:extLst>
+                    <a:ext uri="{A12FA001-AC4F-418D-AE19-62706E023703}">
+                      <ahyp:hlinkClr xmlns:ahyp="http://schemas.microsoft.com/office/drawing/2018/hyperlinkcolor" val="tx"/>
+                    </a:ext>
+                  </a:extLst>
+                </a:hlinkClick>
+              </a:rPr>
+              <a:t>slot machines</a:t>
+            </a:r>
+            <a:r>
+              <a:rPr lang="en-GB" sz="2000" b="0" i="1" dirty="0">
+                <a:effectLst/>
+                <a:latin typeface="+mn-lt"/>
+              </a:rPr>
+              <a:t> (sometimes known as "</a:t>
+            </a:r>
+            <a:r>
+              <a:rPr lang="en-GB" sz="2000" b="0" i="1" u="none" strike="noStrike" dirty="0">
+                <a:effectLst/>
+                <a:latin typeface="+mn-lt"/>
+                <a:hlinkClick r:id="rId12" tooltip="wikt:one-armed bandit">
+                  <a:extLst>
+                    <a:ext uri="{A12FA001-AC4F-418D-AE19-62706E023703}">
+                      <ahyp:hlinkClr xmlns:ahyp="http://schemas.microsoft.com/office/drawing/2018/hyperlinkcolor" val="tx"/>
+                    </a:ext>
+                  </a:extLst>
+                </a:hlinkClick>
+              </a:rPr>
+              <a:t>one-armed bandits</a:t>
+            </a:r>
+            <a:r>
+              <a:rPr lang="en-GB" sz="2000" b="0" i="1" dirty="0">
+                <a:effectLst/>
+                <a:latin typeface="+mn-lt"/>
+              </a:rPr>
+              <a:t>"), who has to decide which machines to play, how many times to play each machine and in which order to play them, and whether to continue with the current machine or try a different machine.</a:t>
+            </a:r>
+            <a:r>
+              <a:rPr lang="en-GB" sz="2000" b="0" i="1" u="none" strike="noStrike" baseline="30000" dirty="0">
+                <a:effectLst/>
+                <a:latin typeface="+mn-lt"/>
+                <a:hlinkClick r:id="rId13">
+                  <a:extLst>
+                    <a:ext uri="{A12FA001-AC4F-418D-AE19-62706E023703}">
+                      <ahyp:hlinkClr xmlns:ahyp="http://schemas.microsoft.com/office/drawing/2018/hyperlinkcolor" val="tx"/>
+                    </a:ext>
+                  </a:extLst>
+                </a:hlinkClick>
+              </a:rPr>
+              <a:t>[5]</a:t>
+            </a:r>
+            <a:r>
+              <a:rPr lang="en-GB" sz="2000" b="0" i="1" dirty="0">
+                <a:effectLst/>
+                <a:latin typeface="+mn-lt"/>
+              </a:rPr>
+              <a:t> The multi-armed bandit problem also falls into the broad category of </a:t>
+            </a:r>
+            <a:r>
+              <a:rPr lang="en-GB" sz="2000" b="0" i="1" u="none" strike="noStrike" dirty="0">
+                <a:effectLst/>
+                <a:latin typeface="+mn-lt"/>
+                <a:hlinkClick r:id="rId14" tooltip="Stochastic scheduling">
+                  <a:extLst>
+                    <a:ext uri="{A12FA001-AC4F-418D-AE19-62706E023703}">
+                      <ahyp:hlinkClr xmlns:ahyp="http://schemas.microsoft.com/office/drawing/2018/hyperlinkcolor" val="tx"/>
+                    </a:ext>
+                  </a:extLst>
+                </a:hlinkClick>
+              </a:rPr>
+              <a:t>stochastic scheduling</a:t>
+            </a:r>
+            <a:r>
+              <a:rPr lang="en-GB" sz="2000" b="0" i="1" dirty="0">
+                <a:effectLst/>
+                <a:latin typeface="+mn-lt"/>
+              </a:rPr>
+              <a:t>. https://en.wikipedia.org/wiki/Multi-armed_bandit</a:t>
+            </a:r>
+            <a:endParaRPr sz="2000" i="1" spc="165" dirty="0">
+              <a:latin typeface="+mn-lt"/>
+            </a:endParaRPr>
           </a:p>
         </p:txBody>
       </p:sp>
@@ -3864,7 +4173,7 @@
         </p:nvSpPr>
         <p:spPr>
           <a:xfrm>
-            <a:off x="1599923" y="2738837"/>
+            <a:off x="1599923" y="4371342"/>
             <a:ext cx="3171190" cy="1869439"/>
           </a:xfrm>
           <a:prstGeom prst="rect">
@@ -3996,7 +4305,7 @@
         </p:nvSpPr>
         <p:spPr>
           <a:xfrm>
-            <a:off x="1599923" y="5451556"/>
+            <a:off x="1599923" y="7084061"/>
             <a:ext cx="6059170" cy="1869439"/>
           </a:xfrm>
           <a:prstGeom prst="rect">
@@ -4067,7 +4376,7 @@
               </a:rPr>
               <a:t>policy</a:t>
             </a:r>
-            <a:endParaRPr sz="3200">
+            <a:endParaRPr sz="3200" dirty="0">
               <a:latin typeface="Microsoft Sans Serif"/>
               <a:cs typeface="Microsoft Sans Serif"/>
             </a:endParaRPr>
@@ -4078,7 +4387,7 @@
                 <a:spcPct val="100000"/>
               </a:lnSpc>
             </a:pPr>
-            <a:endParaRPr sz="3200">
+            <a:endParaRPr sz="3200" dirty="0">
               <a:latin typeface="Microsoft Sans Serif"/>
               <a:cs typeface="Microsoft Sans Serif"/>
             </a:endParaRPr>
@@ -4092,7 +4401,7 @@
                 <a:spcPts val="45"/>
               </a:spcBef>
             </a:pPr>
-            <a:endParaRPr sz="2800">
+            <a:endParaRPr sz="2800" dirty="0">
               <a:latin typeface="Microsoft Sans Serif"/>
               <a:cs typeface="Microsoft Sans Serif"/>
             </a:endParaRPr>
@@ -4133,7 +4442,7 @@
               </a:rPr>
               <a:t>trade-off</a:t>
             </a:r>
-            <a:endParaRPr sz="3200">
+            <a:endParaRPr sz="3200" dirty="0">
               <a:latin typeface="Microsoft Sans Serif"/>
               <a:cs typeface="Microsoft Sans Serif"/>
             </a:endParaRPr>
